--- a/Team Organization Docs/The Eff {Strings} Project 1 Demo.pptx
+++ b/Team Organization Docs/The Eff {Strings} Project 1 Demo.pptx
@@ -8,14 +8,15 @@
     <p:sldId id="257" r:id="rId2"/>
     <p:sldId id="258" r:id="rId3"/>
     <p:sldId id="260" r:id="rId4"/>
-    <p:sldId id="261" r:id="rId5"/>
-    <p:sldId id="262" r:id="rId6"/>
-    <p:sldId id="263" r:id="rId7"/>
-    <p:sldId id="264" r:id="rId8"/>
-    <p:sldId id="265" r:id="rId9"/>
-    <p:sldId id="266" r:id="rId10"/>
-    <p:sldId id="267" r:id="rId11"/>
-    <p:sldId id="259" r:id="rId12"/>
+    <p:sldId id="268" r:id="rId5"/>
+    <p:sldId id="261" r:id="rId6"/>
+    <p:sldId id="262" r:id="rId7"/>
+    <p:sldId id="263" r:id="rId8"/>
+    <p:sldId id="264" r:id="rId9"/>
+    <p:sldId id="265" r:id="rId10"/>
+    <p:sldId id="266" r:id="rId11"/>
+    <p:sldId id="267" r:id="rId12"/>
+    <p:sldId id="259" r:id="rId13"/>
   </p:sldIdLst>
   <p:sldSz cx="12192000" cy="6858000"/>
   <p:notesSz cx="6858000" cy="9144000"/>
@@ -415,7 +416,7 @@
           <a:p>
             <a:fld id="{9184DA70-C731-4C70-880D-CCD4705E623C}" type="datetime1">
               <a:rPr lang="en-US" smtClean="0"/>
-              <a:t>5/5/2021</a:t>
+              <a:t>5/6/2021</a:t>
             </a:fld>
             <a:endParaRPr lang="en-US" dirty="0"/>
           </a:p>
@@ -603,7 +604,7 @@
           <a:p>
             <a:fld id="{B612A279-0833-481D-8C56-F67FD0AC6C50}" type="datetime1">
               <a:rPr lang="en-US" smtClean="0"/>
-              <a:t>5/5/2021</a:t>
+              <a:t>5/6/2021</a:t>
             </a:fld>
             <a:endParaRPr lang="en-US" dirty="0"/>
           </a:p>
@@ -845,7 +846,7 @@
           <a:p>
             <a:fld id="{6587DA83-5663-4C9C-B9AA-0B40A3DAFF81}" type="datetime1">
               <a:rPr lang="en-US" smtClean="0"/>
-              <a:t>5/5/2021</a:t>
+              <a:t>5/6/2021</a:t>
             </a:fld>
             <a:endParaRPr lang="en-US" dirty="0"/>
           </a:p>
@@ -1033,7 +1034,7 @@
           <a:p>
             <a:fld id="{4BE1D723-8F53-4F53-90B0-1982A396982E}" type="datetime1">
               <a:rPr lang="en-US" smtClean="0"/>
-              <a:t>5/5/2021</a:t>
+              <a:t>5/6/2021</a:t>
             </a:fld>
             <a:endParaRPr lang="en-US" dirty="0"/>
           </a:p>
@@ -1406,7 +1407,7 @@
           <a:p>
             <a:fld id="{97669AF7-7BEB-44E4-9852-375E34362B5B}" type="datetime1">
               <a:rPr lang="en-US" smtClean="0"/>
-              <a:t>5/5/2021</a:t>
+              <a:t>5/6/2021</a:t>
             </a:fld>
             <a:endParaRPr lang="en-US" dirty="0"/>
           </a:p>
@@ -1661,7 +1662,7 @@
           <a:p>
             <a:fld id="{BAAAC38D-0552-4C82-B593-E6124DFADBE2}" type="datetime1">
               <a:rPr lang="en-US" smtClean="0"/>
-              <a:t>5/5/2021</a:t>
+              <a:t>5/6/2021</a:t>
             </a:fld>
             <a:endParaRPr lang="en-US" dirty="0"/>
           </a:p>
@@ -2058,7 +2059,7 @@
           <a:p>
             <a:fld id="{D9DF0F1C-5577-4ACB-BB62-DF8F3C494C7E}" type="datetime1">
               <a:rPr lang="en-US" smtClean="0"/>
-              <a:t>5/5/2021</a:t>
+              <a:t>5/6/2021</a:t>
             </a:fld>
             <a:endParaRPr lang="en-US" dirty="0"/>
           </a:p>
@@ -2194,7 +2195,7 @@
           <a:p>
             <a:fld id="{1775B394-D9F9-4F0C-B15D-605F45CB9E9F}" type="datetime1">
               <a:rPr lang="en-US" smtClean="0"/>
-              <a:t>5/5/2021</a:t>
+              <a:t>5/6/2021</a:t>
             </a:fld>
             <a:endParaRPr lang="en-US" dirty="0"/>
           </a:p>
@@ -2351,7 +2352,7 @@
           <a:p>
             <a:fld id="{39667345-2558-425A-8533-9BFDBCE15005}" type="datetime1">
               <a:rPr lang="en-US" smtClean="0"/>
-              <a:t>5/5/2021</a:t>
+              <a:t>5/6/2021</a:t>
             </a:fld>
             <a:endParaRPr lang="en-US" dirty="0"/>
           </a:p>
@@ -2680,7 +2681,7 @@
           <a:p>
             <a:fld id="{92BEA474-078D-4E9B-9B14-09A87B19DC46}" type="datetime1">
               <a:rPr lang="en-US" smtClean="0"/>
-              <a:t>5/5/2021</a:t>
+              <a:t>5/6/2021</a:t>
             </a:fld>
             <a:endParaRPr lang="en-US" dirty="0"/>
           </a:p>
@@ -3030,7 +3031,7 @@
           <a:p>
             <a:fld id="{4907D986-8816-4272-A432-0437A28A9828}" type="datetime1">
               <a:rPr lang="en-US" smtClean="0"/>
-              <a:t>5/5/2021</a:t>
+              <a:t>5/6/2021</a:t>
             </a:fld>
             <a:endParaRPr lang="en-US" dirty="0"/>
           </a:p>
@@ -3291,7 +3292,7 @@
           <a:p>
             <a:fld id="{62D6E202-B606-4609-B914-27C9371A1F6D}" type="datetime1">
               <a:rPr lang="en-US" smtClean="0"/>
-              <a:t>5/5/2021</a:t>
+              <a:t>5/6/2021</a:t>
             </a:fld>
             <a:endParaRPr lang="en-US" dirty="0"/>
           </a:p>
@@ -3900,13 +3901,13 @@
         </p:nvSpPr>
         <p:spPr>
           <a:xfrm>
-            <a:off x="5305783" y="225440"/>
-            <a:ext cx="6253317" cy="3686015"/>
+            <a:off x="5316008" y="2093343"/>
+            <a:ext cx="6253317" cy="1961067"/>
           </a:xfrm>
         </p:spPr>
         <p:txBody>
           <a:bodyPr>
-            <a:normAutofit/>
+            <a:normAutofit fontScale="90000"/>
           </a:bodyPr>
           <a:lstStyle/>
           <a:p>
@@ -3917,6 +3918,11 @@
               </a:rPr>
               <a:t> Eff {Strings}</a:t>
             </a:r>
+            <a:br>
+              <a:rPr lang="en-US" sz="8000" dirty="0">
+                <a:latin typeface="Gill Sans Nova" panose="020B0602020104020203" pitchFamily="34" charset="0"/>
+              </a:rPr>
+            </a:br>
             <a:br>
               <a:rPr lang="en-US" dirty="0">
                 <a:latin typeface="Gill Sans Nova" panose="020B0602020104020203" pitchFamily="34" charset="0"/>
@@ -3952,7 +3958,7 @@
         </p:nvSpPr>
         <p:spPr>
           <a:xfrm>
-            <a:off x="5297767" y="4672737"/>
+            <a:off x="5305781" y="4672737"/>
             <a:ext cx="6269347" cy="2185262"/>
           </a:xfrm>
         </p:spPr>
@@ -4285,7 +4291,7 @@
                   <a:srgbClr val="FFFFFF"/>
                 </a:solidFill>
               </a:rPr>
-              <a:t>Music quote here</a:t>
+              <a:t>“Wake me up when this semester ends” – Green Day</a:t>
             </a:r>
           </a:p>
         </p:txBody>
@@ -4305,7 +4311,7 @@
         <p:spPr>
           <a:xfrm>
             <a:off x="504185" y="343306"/>
-            <a:ext cx="9460667" cy="373757"/>
+            <a:ext cx="8725466" cy="373757"/>
           </a:xfrm>
           <a:prstGeom prst="rect">
             <a:avLst/>
@@ -4334,6 +4340,327 @@
                 <a:effectLst/>
                 <a:latin typeface="Arial" panose="020B0604020202020204" pitchFamily="34" charset="0"/>
                 <a:ea typeface="Calibri" panose="020F0502020204030204" pitchFamily="34" charset="0"/>
+              </a:rPr>
+              <a:t>What are the most popular genres </a:t>
+            </a:r>
+            <a:r>
+              <a:rPr lang="en-US" b="1" i="1" dirty="0">
+                <a:latin typeface="Arial" panose="020B0604020202020204" pitchFamily="34" charset="0"/>
+              </a:rPr>
+              <a:t>by listener per </a:t>
+            </a:r>
+            <a:r>
+              <a:rPr lang="en-US" sz="1800" b="1" i="1" dirty="0">
+                <a:effectLst/>
+                <a:latin typeface="Arial" panose="020B0604020202020204" pitchFamily="34" charset="0"/>
+                <a:ea typeface="Calibri" panose="020F0502020204030204" pitchFamily="34" charset="0"/>
+              </a:rPr>
+              <a:t>country?  </a:t>
+            </a:r>
+            <a:r>
+              <a:rPr lang="en-US" b="1" i="1" dirty="0">
+                <a:latin typeface="Arial" panose="020B0604020202020204" pitchFamily="34" charset="0"/>
+                <a:ea typeface="Calibri" panose="020F0502020204030204" pitchFamily="34" charset="0"/>
+              </a:rPr>
+              <a:t>Christian </a:t>
+            </a:r>
+            <a:r>
+              <a:rPr lang="en-US" b="1" i="1" dirty="0" err="1">
+                <a:latin typeface="Arial" panose="020B0604020202020204" pitchFamily="34" charset="0"/>
+                <a:ea typeface="Calibri" panose="020F0502020204030204" pitchFamily="34" charset="0"/>
+              </a:rPr>
+              <a:t>Geomap</a:t>
+            </a:r>
+            <a:endParaRPr lang="en-US" sz="1800" dirty="0">
+              <a:effectLst/>
+              <a:latin typeface="Calibri" panose="020F0502020204030204" pitchFamily="34" charset="0"/>
+              <a:ea typeface="Calibri" panose="020F0502020204030204" pitchFamily="34" charset="0"/>
+              <a:cs typeface="Times New Roman" panose="02020603050405020304" pitchFamily="18" charset="0"/>
+            </a:endParaRPr>
+          </a:p>
+        </p:txBody>
+      </p:sp>
+      <p:sp>
+        <p:nvSpPr>
+          <p:cNvPr id="2" name="TextBox 1">
+            <a:extLst>
+              <a:ext uri="{FF2B5EF4-FFF2-40B4-BE49-F238E27FC236}">
+                <a16:creationId xmlns:a16="http://schemas.microsoft.com/office/drawing/2014/main" id="{BEA66676-AB3D-462B-BA7B-8257D80DF389}"/>
+              </a:ext>
+            </a:extLst>
+          </p:cNvPr>
+          <p:cNvSpPr txBox="1"/>
+          <p:nvPr/>
+        </p:nvSpPr>
+        <p:spPr>
+          <a:xfrm>
+            <a:off x="5946475" y="1081177"/>
+            <a:ext cx="6521570" cy="646331"/>
+          </a:xfrm>
+          <a:prstGeom prst="rect">
+            <a:avLst/>
+          </a:prstGeom>
+          <a:noFill/>
+        </p:spPr>
+        <p:txBody>
+          <a:bodyPr wrap="square" rtlCol="0">
+            <a:spAutoFit/>
+          </a:bodyPr>
+          <a:lstStyle/>
+          <a:p>
+            <a:r>
+              <a:rPr lang="en-US" dirty="0"/>
+              <a:t>This aggregates up to the type of artist a music supervisor </a:t>
+            </a:r>
+          </a:p>
+          <a:p>
+            <a:r>
+              <a:rPr lang="en-US" dirty="0"/>
+              <a:t>should consider to select to include in the app</a:t>
+            </a:r>
+          </a:p>
+        </p:txBody>
+      </p:sp>
+    </p:spTree>
+    <p:extLst>
+      <p:ext uri="{BB962C8B-B14F-4D97-AF65-F5344CB8AC3E}">
+        <p14:creationId xmlns:p14="http://schemas.microsoft.com/office/powerpoint/2010/main" val="62633276"/>
+      </p:ext>
+    </p:extLst>
+  </p:cSld>
+  <p:clrMapOvr>
+    <a:masterClrMapping/>
+  </p:clrMapOvr>
+</p:sld>
+</file>
+
+<file path=ppt/slides/slide11.xml><?xml version="1.0" encoding="utf-8"?>
+<p:sld xmlns:a="http://schemas.openxmlformats.org/drawingml/2006/main" xmlns:r="http://schemas.openxmlformats.org/officeDocument/2006/relationships" xmlns:p="http://schemas.openxmlformats.org/presentationml/2006/main">
+  <p:cSld>
+    <p:bg>
+      <p:bgPr>
+        <a:solidFill>
+          <a:schemeClr val="bg1"/>
+        </a:solidFill>
+        <a:effectLst/>
+      </p:bgPr>
+    </p:bg>
+    <p:spTree>
+      <p:nvGrpSpPr>
+        <p:cNvPr id="1" name=""/>
+        <p:cNvGrpSpPr/>
+        <p:nvPr/>
+      </p:nvGrpSpPr>
+      <p:grpSpPr>
+        <a:xfrm>
+          <a:off x="0" y="0"/>
+          <a:ext cx="0" cy="0"/>
+          <a:chOff x="0" y="0"/>
+          <a:chExt cx="0" cy="0"/>
+        </a:xfrm>
+      </p:grpSpPr>
+      <p:sp>
+        <p:nvSpPr>
+          <p:cNvPr id="47" name="Rectangle 46">
+            <a:extLst>
+              <a:ext uri="{FF2B5EF4-FFF2-40B4-BE49-F238E27FC236}">
+                <a16:creationId xmlns:a16="http://schemas.microsoft.com/office/drawing/2014/main" id="{FBDCECDC-EEE3-4128-AA5E-82A8C08796E8}"/>
+              </a:ext>
+              <a:ext uri="{C183D7F6-B498-43B3-948B-1728B52AA6E4}">
+                <adec:decorative xmlns:adec="http://schemas.microsoft.com/office/drawing/2017/decorative" val="1"/>
+              </a:ext>
+            </a:extLst>
+          </p:cNvPr>
+          <p:cNvSpPr>
+            <a:spLocks noGrp="1" noRot="1" noChangeAspect="1" noMove="1" noResize="1" noEditPoints="1" noAdjustHandles="1" noChangeArrowheads="1" noChangeShapeType="1" noTextEdit="1"/>
+          </p:cNvSpPr>
+          <p:nvPr>
+            <p:extLst>
+              <p:ext uri="{386F3935-93C4-4BCD-93E2-E3B085C9AB24}">
+                <p16:designElem xmlns:p16="http://schemas.microsoft.com/office/powerpoint/2015/main" val="1"/>
+              </p:ext>
+            </p:extLst>
+          </p:nvPr>
+        </p:nvSpPr>
+        <p:spPr>
+          <a:xfrm>
+            <a:off x="1507" y="0"/>
+            <a:ext cx="12192000" cy="6858000"/>
+          </a:xfrm>
+          <a:prstGeom prst="rect">
+            <a:avLst/>
+          </a:prstGeom>
+          <a:solidFill>
+            <a:schemeClr val="accent1"/>
+          </a:solidFill>
+          <a:ln>
+            <a:noFill/>
+          </a:ln>
+        </p:spPr>
+        <p:style>
+          <a:lnRef idx="2">
+            <a:schemeClr val="accent1">
+              <a:shade val="50000"/>
+            </a:schemeClr>
+          </a:lnRef>
+          <a:fillRef idx="1">
+            <a:schemeClr val="accent1"/>
+          </a:fillRef>
+          <a:effectRef idx="0">
+            <a:schemeClr val="accent1"/>
+          </a:effectRef>
+          <a:fontRef idx="minor">
+            <a:schemeClr val="lt1"/>
+          </a:fontRef>
+        </p:style>
+        <p:txBody>
+          <a:bodyPr rtlCol="0" anchor="ctr"/>
+          <a:lstStyle/>
+          <a:p>
+            <a:pPr algn="ctr"/>
+            <a:endParaRPr lang="en-US"/>
+          </a:p>
+        </p:txBody>
+      </p:sp>
+      <p:sp>
+        <p:nvSpPr>
+          <p:cNvPr id="49" name="Rectangle 48">
+            <a:extLst>
+              <a:ext uri="{FF2B5EF4-FFF2-40B4-BE49-F238E27FC236}">
+                <a16:creationId xmlns:a16="http://schemas.microsoft.com/office/drawing/2014/main" id="{4260EDE0-989C-4E16-AF94-F652294D828E}"/>
+              </a:ext>
+              <a:ext uri="{C183D7F6-B498-43B3-948B-1728B52AA6E4}">
+                <adec:decorative xmlns:adec="http://schemas.microsoft.com/office/drawing/2017/decorative" val="1"/>
+              </a:ext>
+            </a:extLst>
+          </p:cNvPr>
+          <p:cNvSpPr>
+            <a:spLocks noGrp="1" noRot="1" noChangeAspect="1" noMove="1" noResize="1" noEditPoints="1" noAdjustHandles="1" noChangeArrowheads="1" noChangeShapeType="1" noTextEdit="1"/>
+          </p:cNvSpPr>
+          <p:nvPr>
+            <p:extLst>
+              <p:ext uri="{386F3935-93C4-4BCD-93E2-E3B085C9AB24}">
+                <p16:designElem xmlns:p16="http://schemas.microsoft.com/office/powerpoint/2015/main" val="1"/>
+              </p:ext>
+            </p:extLst>
+          </p:nvPr>
+        </p:nvSpPr>
+        <p:spPr bwMode="white">
+          <a:xfrm>
+            <a:off x="1507" y="4953000"/>
+            <a:ext cx="12188952" cy="1905000"/>
+          </a:xfrm>
+          <a:prstGeom prst="rect">
+            <a:avLst/>
+          </a:prstGeom>
+          <a:solidFill>
+            <a:srgbClr val="262626"/>
+          </a:solidFill>
+          <a:ln>
+            <a:noFill/>
+          </a:ln>
+        </p:spPr>
+        <p:style>
+          <a:lnRef idx="2">
+            <a:schemeClr val="accent1">
+              <a:shade val="50000"/>
+            </a:schemeClr>
+          </a:lnRef>
+          <a:fillRef idx="1">
+            <a:schemeClr val="accent1"/>
+          </a:fillRef>
+          <a:effectRef idx="0">
+            <a:schemeClr val="accent1"/>
+          </a:effectRef>
+          <a:fontRef idx="minor">
+            <a:schemeClr val="lt1"/>
+          </a:fontRef>
+        </p:style>
+      </p:sp>
+      <p:sp>
+        <p:nvSpPr>
+          <p:cNvPr id="3" name="Subtitle 2">
+            <a:extLst>
+              <a:ext uri="{FF2B5EF4-FFF2-40B4-BE49-F238E27FC236}">
+                <a16:creationId xmlns:a16="http://schemas.microsoft.com/office/drawing/2014/main" id="{255E1F2F-E259-4EA8-9FFD-3A10AF541859}"/>
+              </a:ext>
+            </a:extLst>
+          </p:cNvPr>
+          <p:cNvSpPr>
+            <a:spLocks noGrp="1"/>
+          </p:cNvSpPr>
+          <p:nvPr>
+            <p:ph type="subTitle" idx="1"/>
+          </p:nvPr>
+        </p:nvSpPr>
+        <p:spPr>
+          <a:xfrm>
+            <a:off x="1013787" y="4979109"/>
+            <a:ext cx="10058400" cy="1878891"/>
+          </a:xfrm>
+        </p:spPr>
+        <p:txBody>
+          <a:bodyPr>
+            <a:normAutofit/>
+          </a:bodyPr>
+          <a:lstStyle/>
+          <a:p>
+            <a:pPr algn="ctr"/>
+            <a:r>
+              <a:rPr lang="en-US" dirty="0">
+                <a:solidFill>
+                  <a:srgbClr val="FFFFFF"/>
+                </a:solidFill>
+              </a:rPr>
+              <a:t>Music quote here</a:t>
+            </a:r>
+          </a:p>
+        </p:txBody>
+      </p:sp>
+      <p:sp>
+        <p:nvSpPr>
+          <p:cNvPr id="6" name="TextBox 5">
+            <a:extLst>
+              <a:ext uri="{FF2B5EF4-FFF2-40B4-BE49-F238E27FC236}">
+                <a16:creationId xmlns:a16="http://schemas.microsoft.com/office/drawing/2014/main" id="{E3C0F666-CCF9-4DE9-BEF2-4955C4B9A4A9}"/>
+              </a:ext>
+            </a:extLst>
+          </p:cNvPr>
+          <p:cNvSpPr txBox="1"/>
+          <p:nvPr/>
+        </p:nvSpPr>
+        <p:spPr>
+          <a:xfrm>
+            <a:off x="504185" y="343306"/>
+            <a:ext cx="9460667" cy="373757"/>
+          </a:xfrm>
+          <a:prstGeom prst="rect">
+            <a:avLst/>
+          </a:prstGeom>
+          <a:noFill/>
+        </p:spPr>
+        <p:txBody>
+          <a:bodyPr wrap="none" rtlCol="0">
+            <a:spAutoFit/>
+          </a:bodyPr>
+          <a:lstStyle/>
+          <a:p>
+            <a:pPr marR="0" lvl="0">
+              <a:lnSpc>
+                <a:spcPct val="107000"/>
+              </a:lnSpc>
+              <a:spcBef>
+                <a:spcPts val="0"/>
+              </a:spcBef>
+              <a:spcAft>
+                <a:spcPts val="0"/>
+              </a:spcAft>
+            </a:pPr>
+            <a:r>
+              <a:rPr lang="en-US" sz="1800" b="1" i="1" dirty="0">
+                <a:effectLst/>
+                <a:latin typeface="Arial" panose="020B0604020202020204" pitchFamily="34" charset="0"/>
+                <a:ea typeface="Calibri" panose="020F0502020204030204" pitchFamily="34" charset="0"/>
                 <a:cs typeface="Times New Roman" panose="02020603050405020304" pitchFamily="18" charset="0"/>
               </a:rPr>
               <a:t>What is the </a:t>
@@ -4402,7 +4729,7 @@
           <a:p>
             <a:r>
               <a:rPr lang="en-US" dirty="0"/>
-              <a:t>How can we explain the caveat of listener vs </a:t>
+              <a:t>How should we explain the caveat of listener vs </a:t>
             </a:r>
             <a:r>
               <a:rPr lang="en-US" dirty="0" err="1"/>
@@ -4443,7 +4770,7 @@
         </p:blipFill>
         <p:spPr>
           <a:xfrm>
-            <a:off x="368980" y="1139371"/>
+            <a:off x="368979" y="984095"/>
             <a:ext cx="5038725" cy="3543300"/>
           </a:xfrm>
           <a:prstGeom prst="rect">
@@ -4464,7 +4791,7 @@
 </p:sld>
 </file>
 
-<file path=ppt/slides/slide11.xml><?xml version="1.0" encoding="utf-8"?>
+<file path=ppt/slides/slide12.xml><?xml version="1.0" encoding="utf-8"?>
 <p:sld xmlns:a="http://schemas.openxmlformats.org/drawingml/2006/main" xmlns:r="http://schemas.openxmlformats.org/officeDocument/2006/relationships" xmlns:p="http://schemas.openxmlformats.org/presentationml/2006/main">
   <p:cSld>
     <p:spTree>
@@ -5701,14 +6028,11 @@
           <a:lstStyle/>
           <a:p>
             <a:pPr algn="ctr"/>
-            <a:r>
-              <a:rPr lang="en-US" dirty="0">
-                <a:solidFill>
-                  <a:srgbClr val="FFFFFF"/>
-                </a:solidFill>
-              </a:rPr>
-              <a:t>Music quote here</a:t>
-            </a:r>
+            <a:endParaRPr lang="en-US" dirty="0">
+              <a:solidFill>
+                <a:srgbClr val="FFFFFF"/>
+              </a:solidFill>
+            </a:endParaRPr>
           </a:p>
         </p:txBody>
       </p:sp>
@@ -5726,8 +6050,8 @@
         </p:nvSpPr>
         <p:spPr>
           <a:xfrm>
-            <a:off x="1013787" y="277992"/>
-            <a:ext cx="7353295" cy="819583"/>
+            <a:off x="1536505" y="1277064"/>
+            <a:ext cx="7900561" cy="2250744"/>
           </a:xfrm>
           <a:prstGeom prst="rect">
             <a:avLst/>
@@ -5740,7 +6064,7 @@
           </a:bodyPr>
           <a:lstStyle/>
           <a:p>
-            <a:pPr marR="0" lvl="0">
+            <a:pPr marL="0" marR="0">
               <a:lnSpc>
                 <a:spcPct val="107000"/>
               </a:lnSpc>
@@ -5752,13 +6076,81 @@
               </a:spcAft>
             </a:pPr>
             <a:r>
-              <a:rPr lang="en-US" sz="1800" b="1" i="1" dirty="0">
+              <a:rPr lang="en-US" sz="2400" b="1" i="1" dirty="0">
+                <a:solidFill>
+                  <a:srgbClr val="000000"/>
+                </a:solidFill>
+                <a:effectLst/>
+                <a:latin typeface="Arial" panose="020B0604020202020204" pitchFamily="34" charset="0"/>
+                <a:ea typeface="Calibri" panose="020F0502020204030204" pitchFamily="34" charset="0"/>
+                <a:cs typeface="Arial" panose="020B0604020202020204" pitchFamily="34" charset="0"/>
+              </a:rPr>
+              <a:t>Limitations</a:t>
+            </a:r>
+          </a:p>
+          <a:p>
+            <a:pPr marL="0" marR="0">
+              <a:lnSpc>
+                <a:spcPct val="107000"/>
+              </a:lnSpc>
+              <a:spcBef>
+                <a:spcPts val="0"/>
+              </a:spcBef>
+              <a:spcAft>
+                <a:spcPts val="0"/>
+              </a:spcAft>
+            </a:pPr>
+            <a:endParaRPr lang="en-US" sz="1800" dirty="0">
+              <a:effectLst/>
+              <a:latin typeface="Arial" panose="020B0604020202020204" pitchFamily="34" charset="0"/>
+              <a:ea typeface="Calibri" panose="020F0502020204030204" pitchFamily="34" charset="0"/>
+              <a:cs typeface="Arial" panose="020B0604020202020204" pitchFamily="34" charset="0"/>
+            </a:endParaRPr>
+          </a:p>
+          <a:p>
+            <a:pPr marL="0" marR="0">
+              <a:lnSpc>
+                <a:spcPct val="107000"/>
+              </a:lnSpc>
+              <a:spcBef>
+                <a:spcPts val="0"/>
+              </a:spcBef>
+              <a:spcAft>
+                <a:spcPts val="0"/>
+              </a:spcAft>
+            </a:pPr>
+            <a:endParaRPr lang="en-US" sz="1800" dirty="0">
+              <a:effectLst/>
+              <a:latin typeface="Arial" panose="020B0604020202020204" pitchFamily="34" charset="0"/>
+              <a:ea typeface="Calibri" panose="020F0502020204030204" pitchFamily="34" charset="0"/>
+              <a:cs typeface="Arial" panose="020B0604020202020204" pitchFamily="34" charset="0"/>
+            </a:endParaRPr>
+          </a:p>
+          <a:p>
+            <a:pPr marL="342900" marR="0" lvl="0" indent="-342900">
+              <a:lnSpc>
+                <a:spcPct val="107000"/>
+              </a:lnSpc>
+              <a:spcBef>
+                <a:spcPts val="0"/>
+              </a:spcBef>
+              <a:spcAft>
+                <a:spcPts val="0"/>
+              </a:spcAft>
+              <a:buFont typeface="Symbol" panose="05050102010706020507" pitchFamily="18" charset="2"/>
+              <a:buChar char=""/>
+            </a:pPr>
+            <a:r>
+              <a:rPr lang="en-US" sz="1800" dirty="0">
+                <a:solidFill>
+                  <a:srgbClr val="000000"/>
+                </a:solidFill>
                 <a:effectLst/>
                 <a:latin typeface="Arial" panose="020B0604020202020204" pitchFamily="34" charset="0"/>
                 <a:ea typeface="Calibri" panose="020F0502020204030204" pitchFamily="34" charset="0"/>
                 <a:cs typeface="Times New Roman" panose="02020603050405020304" pitchFamily="18" charset="0"/>
               </a:rPr>
-              <a:t>Which artist are most popular based on their country play count?</a:t>
+              <a:t>No time frame or trending ability</a:t>
             </a:r>
             <a:endParaRPr lang="en-US" sz="1800" dirty="0">
               <a:effectLst/>
@@ -5768,167 +6160,110 @@
             </a:endParaRPr>
           </a:p>
           <a:p>
-            <a:endParaRPr lang="en-US" sz="2800" dirty="0"/>
-          </a:p>
-        </p:txBody>
-      </p:sp>
-      <p:pic>
-        <p:nvPicPr>
-          <p:cNvPr id="4" name="Picture 3" descr="A picture containing chart&#10;&#10;Description automatically generated">
-            <a:extLst>
-              <a:ext uri="{FF2B5EF4-FFF2-40B4-BE49-F238E27FC236}">
-                <a16:creationId xmlns:a16="http://schemas.microsoft.com/office/drawing/2014/main" id="{B5B716E1-897D-44BC-AB6C-06ED3B97EDE0}"/>
-              </a:ext>
-            </a:extLst>
-          </p:cNvPr>
-          <p:cNvPicPr>
-            <a:picLocks noChangeAspect="1"/>
-          </p:cNvPicPr>
-          <p:nvPr/>
-        </p:nvPicPr>
-        <p:blipFill>
-          <a:blip r:embed="rId2">
-            <a:extLst>
-              <a:ext uri="{28A0092B-C50C-407E-A947-70E740481C1C}">
-                <a14:useLocalDpi xmlns:a14="http://schemas.microsoft.com/office/drawing/2010/main" val="0"/>
-              </a:ext>
-            </a:extLst>
-          </a:blip>
-          <a:stretch>
-            <a:fillRect/>
-          </a:stretch>
-        </p:blipFill>
-        <p:spPr>
-          <a:xfrm>
-            <a:off x="650930" y="1287489"/>
-            <a:ext cx="4755749" cy="3475597"/>
-          </a:xfrm>
-          <a:prstGeom prst="rect">
-            <a:avLst/>
-          </a:prstGeom>
-        </p:spPr>
-      </p:pic>
-      <p:sp>
-        <p:nvSpPr>
-          <p:cNvPr id="7" name="TextBox 6">
-            <a:extLst>
-              <a:ext uri="{FF2B5EF4-FFF2-40B4-BE49-F238E27FC236}">
-                <a16:creationId xmlns:a16="http://schemas.microsoft.com/office/drawing/2014/main" id="{3630955F-6F17-41E2-B5DB-E022B1AB2AF5}"/>
-              </a:ext>
-            </a:extLst>
-          </p:cNvPr>
-          <p:cNvSpPr txBox="1"/>
-          <p:nvPr/>
-        </p:nvSpPr>
-        <p:spPr>
-          <a:xfrm>
-            <a:off x="6233886" y="1097575"/>
-            <a:ext cx="5000171" cy="3416320"/>
-          </a:xfrm>
-          <a:prstGeom prst="rect">
-            <a:avLst/>
-          </a:prstGeom>
-          <a:noFill/>
-        </p:spPr>
-        <p:txBody>
-          <a:bodyPr wrap="square" rtlCol="0">
-            <a:spAutoFit/>
-          </a:bodyPr>
-          <a:lstStyle/>
-          <a:p>
-            <a:r>
-              <a:rPr lang="en-US" dirty="0"/>
-              <a:t>Data demonstrates that:</a:t>
-            </a:r>
-          </a:p>
-          <a:p>
-            <a:endParaRPr lang="en-US" dirty="0"/>
-          </a:p>
-          <a:p>
-            <a:pPr marL="742950" lvl="1" indent="-285750">
-              <a:buFont typeface="Arial" panose="020B0604020202020204" pitchFamily="34" charset="0"/>
-              <a:buChar char="•"/>
+            <a:pPr marL="342900" marR="0" lvl="0" indent="-342900">
+              <a:lnSpc>
+                <a:spcPct val="107000"/>
+              </a:lnSpc>
+              <a:spcBef>
+                <a:spcPts val="0"/>
+              </a:spcBef>
+              <a:spcAft>
+                <a:spcPts val="0"/>
+              </a:spcAft>
+              <a:buFont typeface="Symbol" panose="05050102010706020507" pitchFamily="18" charset="2"/>
+              <a:buChar char=""/>
             </a:pPr>
             <a:r>
-              <a:rPr lang="en-US" dirty="0"/>
-              <a:t>Coldplay</a:t>
-            </a:r>
-          </a:p>
-          <a:p>
-            <a:pPr marL="742950" lvl="1" indent="-285750">
-              <a:buFont typeface="Arial" panose="020B0604020202020204" pitchFamily="34" charset="0"/>
-              <a:buChar char="•"/>
+              <a:rPr lang="en-US" sz="1800" dirty="0">
+                <a:solidFill>
+                  <a:srgbClr val="000000"/>
+                </a:solidFill>
+                <a:effectLst/>
+                <a:latin typeface="Arial" panose="020B0604020202020204" pitchFamily="34" charset="0"/>
+                <a:ea typeface="Calibri" panose="020F0502020204030204" pitchFamily="34" charset="0"/>
+                <a:cs typeface="Times New Roman" panose="02020603050405020304" pitchFamily="18" charset="0"/>
+              </a:rPr>
+              <a:t>Only Last.fm data</a:t>
+            </a:r>
+            <a:endParaRPr lang="en-US" sz="1800" dirty="0">
+              <a:effectLst/>
+              <a:latin typeface="Calibri" panose="020F0502020204030204" pitchFamily="34" charset="0"/>
+              <a:ea typeface="Calibri" panose="020F0502020204030204" pitchFamily="34" charset="0"/>
+              <a:cs typeface="Times New Roman" panose="02020603050405020304" pitchFamily="18" charset="0"/>
+            </a:endParaRPr>
+          </a:p>
+          <a:p>
+            <a:pPr marL="342900" marR="0" lvl="0" indent="-342900">
+              <a:lnSpc>
+                <a:spcPct val="107000"/>
+              </a:lnSpc>
+              <a:spcBef>
+                <a:spcPts val="0"/>
+              </a:spcBef>
+              <a:spcAft>
+                <a:spcPts val="0"/>
+              </a:spcAft>
+              <a:buFont typeface="Symbol" panose="05050102010706020507" pitchFamily="18" charset="2"/>
+              <a:buChar char=""/>
             </a:pPr>
             <a:r>
-              <a:rPr lang="en-US" dirty="0"/>
-              <a:t>The Weekend</a:t>
-            </a:r>
-          </a:p>
-          <a:p>
-            <a:pPr marL="742950" lvl="1" indent="-285750">
-              <a:buFont typeface="Arial" panose="020B0604020202020204" pitchFamily="34" charset="0"/>
-              <a:buChar char="•"/>
+              <a:rPr lang="en-US" sz="1800" dirty="0">
+                <a:solidFill>
+                  <a:srgbClr val="000000"/>
+                </a:solidFill>
+                <a:effectLst/>
+                <a:latin typeface="Arial" panose="020B0604020202020204" pitchFamily="34" charset="0"/>
+                <a:ea typeface="Calibri" panose="020F0502020204030204" pitchFamily="34" charset="0"/>
+                <a:cs typeface="Times New Roman" panose="02020603050405020304" pitchFamily="18" charset="0"/>
+              </a:rPr>
+              <a:t>Listeners versus population (could be a GDP correlation)—Access issue</a:t>
+            </a:r>
+            <a:endParaRPr lang="en-US" sz="1800" dirty="0">
+              <a:effectLst/>
+              <a:latin typeface="Calibri" panose="020F0502020204030204" pitchFamily="34" charset="0"/>
+              <a:ea typeface="Calibri" panose="020F0502020204030204" pitchFamily="34" charset="0"/>
+              <a:cs typeface="Times New Roman" panose="02020603050405020304" pitchFamily="18" charset="0"/>
+            </a:endParaRPr>
+          </a:p>
+          <a:p>
+            <a:pPr marL="342900" marR="0" lvl="0" indent="-342900">
+              <a:lnSpc>
+                <a:spcPct val="107000"/>
+              </a:lnSpc>
+              <a:spcBef>
+                <a:spcPts val="0"/>
+              </a:spcBef>
+              <a:spcAft>
+                <a:spcPts val="0"/>
+              </a:spcAft>
+              <a:buFont typeface="Symbol" panose="05050102010706020507" pitchFamily="18" charset="2"/>
+              <a:buChar char=""/>
             </a:pPr>
             <a:r>
-              <a:rPr lang="en-US" dirty="0"/>
-              <a:t>The Beatles</a:t>
-            </a:r>
-          </a:p>
-          <a:p>
-            <a:pPr marL="742950" lvl="1" indent="-285750">
-              <a:buFont typeface="Arial" panose="020B0604020202020204" pitchFamily="34" charset="0"/>
-              <a:buChar char="•"/>
-            </a:pPr>
-            <a:r>
-              <a:rPr lang="en-US" dirty="0"/>
-              <a:t>Ed Sheeran</a:t>
-            </a:r>
-          </a:p>
-          <a:p>
-            <a:pPr marL="742950" lvl="1" indent="-285750">
-              <a:buFont typeface="Arial" panose="020B0604020202020204" pitchFamily="34" charset="0"/>
-              <a:buChar char="•"/>
-            </a:pPr>
-            <a:r>
-              <a:rPr lang="en-US" dirty="0"/>
-              <a:t>Sia</a:t>
-            </a:r>
-          </a:p>
-          <a:p>
-            <a:pPr marL="742950" lvl="1" indent="-285750">
-              <a:buFont typeface="Arial" panose="020B0604020202020204" pitchFamily="34" charset="0"/>
-              <a:buChar char="•"/>
-            </a:pPr>
-            <a:r>
-              <a:rPr lang="en-US" dirty="0"/>
-              <a:t>Radiohead</a:t>
-            </a:r>
-          </a:p>
-          <a:p>
-            <a:pPr marL="742950" lvl="1" indent="-285750">
-              <a:buFont typeface="Arial" panose="020B0604020202020204" pitchFamily="34" charset="0"/>
-              <a:buChar char="•"/>
-            </a:pPr>
-            <a:r>
-              <a:rPr lang="en-US" dirty="0"/>
-              <a:t>Adele</a:t>
-            </a:r>
-          </a:p>
-          <a:p>
-            <a:endParaRPr lang="en-US" dirty="0"/>
-          </a:p>
-          <a:p>
-            <a:r>
-              <a:rPr lang="en-US" dirty="0"/>
-              <a:t>are among the artists most played in the countries streaming music the most often. </a:t>
-            </a:r>
+              <a:rPr lang="en-US" sz="1800" dirty="0">
+                <a:solidFill>
+                  <a:srgbClr val="000000"/>
+                </a:solidFill>
+                <a:effectLst/>
+                <a:latin typeface="Arial" panose="020B0604020202020204" pitchFamily="34" charset="0"/>
+                <a:ea typeface="Calibri" panose="020F0502020204030204" pitchFamily="34" charset="0"/>
+                <a:cs typeface="Times New Roman" panose="02020603050405020304" pitchFamily="18" charset="0"/>
+              </a:rPr>
+              <a:t>No demographic information </a:t>
+            </a:r>
+            <a:endParaRPr lang="en-US" sz="1800" dirty="0">
+              <a:effectLst/>
+              <a:latin typeface="Calibri" panose="020F0502020204030204" pitchFamily="34" charset="0"/>
+              <a:ea typeface="Calibri" panose="020F0502020204030204" pitchFamily="34" charset="0"/>
+              <a:cs typeface="Times New Roman" panose="02020603050405020304" pitchFamily="18" charset="0"/>
+            </a:endParaRPr>
           </a:p>
         </p:txBody>
       </p:sp>
     </p:spTree>
     <p:extLst>
       <p:ext uri="{BB962C8B-B14F-4D97-AF65-F5344CB8AC3E}">
-        <p14:creationId xmlns:p14="http://schemas.microsoft.com/office/powerpoint/2010/main" val="2955266069"/>
+        <p14:creationId xmlns:p14="http://schemas.microsoft.com/office/powerpoint/2010/main" val="984988289"/>
       </p:ext>
     </p:extLst>
   </p:cSld>
@@ -6135,8 +6470,8 @@
         </p:nvSpPr>
         <p:spPr>
           <a:xfrm>
-            <a:off x="716244" y="236194"/>
-            <a:ext cx="6164893" cy="819583"/>
+            <a:off x="1013787" y="277992"/>
+            <a:ext cx="7353295" cy="819583"/>
           </a:xfrm>
           <a:prstGeom prst="rect">
             <a:avLst/>
@@ -6167,7 +6502,7 @@
                 <a:ea typeface="Calibri" panose="020F0502020204030204" pitchFamily="34" charset="0"/>
                 <a:cs typeface="Times New Roman" panose="02020603050405020304" pitchFamily="18" charset="0"/>
               </a:rPr>
-              <a:t>Which countries’ users engage the most with the app?</a:t>
+              <a:t>Which artist are most popular based on their country play count?</a:t>
             </a:r>
             <a:endParaRPr lang="en-US" sz="1800" dirty="0">
               <a:effectLst/>
@@ -6183,10 +6518,10 @@
       </p:sp>
       <p:pic>
         <p:nvPicPr>
-          <p:cNvPr id="5" name="Picture 4" descr="Chart, line chart&#10;&#10;Description automatically generated">
-            <a:extLst>
-              <a:ext uri="{FF2B5EF4-FFF2-40B4-BE49-F238E27FC236}">
-                <a16:creationId xmlns:a16="http://schemas.microsoft.com/office/drawing/2014/main" id="{386EC901-15FF-4FFD-90F4-74206916AE43}"/>
+          <p:cNvPr id="4" name="Picture 3" descr="A picture containing chart&#10;&#10;Description automatically generated">
+            <a:extLst>
+              <a:ext uri="{FF2B5EF4-FFF2-40B4-BE49-F238E27FC236}">
+                <a16:creationId xmlns:a16="http://schemas.microsoft.com/office/drawing/2014/main" id="{B5B716E1-897D-44BC-AB6C-06ED3B97EDE0}"/>
               </a:ext>
             </a:extLst>
           </p:cNvPr>
@@ -6209,8 +6544,8 @@
         </p:blipFill>
         <p:spPr>
           <a:xfrm>
-            <a:off x="115248" y="933623"/>
-            <a:ext cx="5273278" cy="3731740"/>
+            <a:off x="195813" y="772450"/>
+            <a:ext cx="5900187" cy="4066570"/>
           </a:xfrm>
           <a:prstGeom prst="rect">
             <a:avLst/>
@@ -6219,10 +6554,10 @@
       </p:pic>
       <p:sp>
         <p:nvSpPr>
-          <p:cNvPr id="8" name="TextBox 7">
-            <a:extLst>
-              <a:ext uri="{FF2B5EF4-FFF2-40B4-BE49-F238E27FC236}">
-                <a16:creationId xmlns:a16="http://schemas.microsoft.com/office/drawing/2014/main" id="{D03EDE59-7287-4A77-B16E-450052FF25FE}"/>
+          <p:cNvPr id="7" name="TextBox 6">
+            <a:extLst>
+              <a:ext uri="{FF2B5EF4-FFF2-40B4-BE49-F238E27FC236}">
+                <a16:creationId xmlns:a16="http://schemas.microsoft.com/office/drawing/2014/main" id="{3630955F-6F17-41E2-B5DB-E022B1AB2AF5}"/>
               </a:ext>
             </a:extLst>
           </p:cNvPr>
@@ -6231,8 +6566,8 @@
         </p:nvSpPr>
         <p:spPr>
           <a:xfrm>
-            <a:off x="6270171" y="1429657"/>
-            <a:ext cx="5406572" cy="2862322"/>
+            <a:off x="6745423" y="861786"/>
+            <a:ext cx="4879265" cy="3416320"/>
           </a:xfrm>
           <a:prstGeom prst="rect">
             <a:avLst/>
@@ -6247,17 +6582,11 @@
           <a:p>
             <a:r>
               <a:rPr lang="en-US" dirty="0"/>
-              <a:t>Hungary has the most users engaged with the app, followed closely with Maldives.</a:t>
+              <a:t>Data demonstrates that:</a:t>
             </a:r>
           </a:p>
           <a:p>
             <a:endParaRPr lang="en-US" dirty="0"/>
-          </a:p>
-          <a:p>
-            <a:r>
-              <a:rPr lang="en-US" dirty="0"/>
-              <a:t>Followed by</a:t>
-            </a:r>
           </a:p>
           <a:p>
             <a:pPr marL="742950" lvl="1" indent="-285750">
@@ -6266,7 +6595,7 @@
             </a:pPr>
             <a:r>
               <a:rPr lang="en-US" dirty="0"/>
-              <a:t>Guatemala</a:t>
+              <a:t>Coldplay</a:t>
             </a:r>
           </a:p>
           <a:p>
@@ -6276,7 +6605,7 @@
             </a:pPr>
             <a:r>
               <a:rPr lang="en-US" dirty="0"/>
-              <a:t>Israel</a:t>
+              <a:t>The Weekend</a:t>
             </a:r>
           </a:p>
           <a:p>
@@ -6286,7 +6615,7 @@
             </a:pPr>
             <a:r>
               <a:rPr lang="en-US" dirty="0"/>
-              <a:t>El Salvador</a:t>
+              <a:t>The Beatles</a:t>
             </a:r>
           </a:p>
           <a:p>
@@ -6296,7 +6625,7 @@
             </a:pPr>
             <a:r>
               <a:rPr lang="en-US" dirty="0"/>
-              <a:t>Ecuador</a:t>
+              <a:t>Ed Sheeran</a:t>
             </a:r>
           </a:p>
           <a:p>
@@ -6306,10 +6635,42 @@
             </a:pPr>
             <a:r>
               <a:rPr lang="en-US" dirty="0"/>
-              <a:t>United Kingdom</a:t>
-            </a:r>
-          </a:p>
-          <a:p>
+              <a:t>Sia</a:t>
+            </a:r>
+          </a:p>
+          <a:p>
+            <a:pPr marL="742950" lvl="1" indent="-285750">
+              <a:buFont typeface="Arial" panose="020B0604020202020204" pitchFamily="34" charset="0"/>
+              <a:buChar char="•"/>
+            </a:pPr>
+            <a:r>
+              <a:rPr lang="en-US" dirty="0"/>
+              <a:t>Radiohead</a:t>
+            </a:r>
+          </a:p>
+          <a:p>
+            <a:pPr marL="742950" lvl="1" indent="-285750">
+              <a:buFont typeface="Arial" panose="020B0604020202020204" pitchFamily="34" charset="0"/>
+              <a:buChar char="•"/>
+            </a:pPr>
+            <a:r>
+              <a:rPr lang="en-US" dirty="0"/>
+              <a:t>Adele</a:t>
+            </a:r>
+          </a:p>
+          <a:p>
+            <a:endParaRPr lang="en-US" dirty="0"/>
+          </a:p>
+          <a:p>
+            <a:r>
+              <a:rPr lang="en-US" dirty="0">
+                <a:solidFill>
+                  <a:srgbClr val="1D1C1D"/>
+                </a:solidFill>
+                <a:latin typeface="Slack-Lato"/>
+              </a:rPr>
+              <a:t>Data shows how often artists are listened to regardless of listener (or user)</a:t>
+            </a:r>
             <a:endParaRPr lang="en-US" dirty="0"/>
           </a:p>
         </p:txBody>
@@ -6317,7 +6678,7 @@
     </p:spTree>
     <p:extLst>
       <p:ext uri="{BB962C8B-B14F-4D97-AF65-F5344CB8AC3E}">
-        <p14:creationId xmlns:p14="http://schemas.microsoft.com/office/powerpoint/2010/main" val="3955977735"/>
+        <p14:creationId xmlns:p14="http://schemas.microsoft.com/office/powerpoint/2010/main" val="2955266069"/>
       </p:ext>
     </p:extLst>
   </p:cSld>
@@ -6524,8 +6885,8 @@
         </p:nvSpPr>
         <p:spPr>
           <a:xfrm>
-            <a:off x="504185" y="343306"/>
-            <a:ext cx="11751935" cy="663964"/>
+            <a:off x="716244" y="236194"/>
+            <a:ext cx="6164893" cy="819583"/>
           </a:xfrm>
           <a:prstGeom prst="rect">
             <a:avLst/>
@@ -6554,38 +6915,159 @@
                 <a:effectLst/>
                 <a:latin typeface="Arial" panose="020B0604020202020204" pitchFamily="34" charset="0"/>
                 <a:ea typeface="Calibri" panose="020F0502020204030204" pitchFamily="34" charset="0"/>
+                <a:cs typeface="Times New Roman" panose="02020603050405020304" pitchFamily="18" charset="0"/>
               </a:rPr>
-              <a:t>Who are the top artists by listener count in the country with the highest overall listener count (Hungary)? </a:t>
-            </a:r>
-          </a:p>
-          <a:p>
-            <a:pPr marR="0" lvl="0">
-              <a:lnSpc>
-                <a:spcPct val="107000"/>
-              </a:lnSpc>
-              <a:spcBef>
-                <a:spcPts val="0"/>
-              </a:spcBef>
-              <a:spcAft>
-                <a:spcPts val="0"/>
-              </a:spcAft>
+              <a:t>Which countries’ users engage the most with the app?</a:t>
+            </a:r>
+            <a:endParaRPr lang="en-US" sz="1800" dirty="0">
+              <a:effectLst/>
+              <a:latin typeface="Calibri" panose="020F0502020204030204" pitchFamily="34" charset="0"/>
+              <a:ea typeface="Calibri" panose="020F0502020204030204" pitchFamily="34" charset="0"/>
+              <a:cs typeface="Times New Roman" panose="02020603050405020304" pitchFamily="18" charset="0"/>
+            </a:endParaRPr>
+          </a:p>
+          <a:p>
+            <a:endParaRPr lang="en-US" sz="2800" dirty="0"/>
+          </a:p>
+        </p:txBody>
+      </p:sp>
+      <p:pic>
+        <p:nvPicPr>
+          <p:cNvPr id="5" name="Picture 4" descr="Chart, line chart&#10;&#10;Description automatically generated">
+            <a:extLst>
+              <a:ext uri="{FF2B5EF4-FFF2-40B4-BE49-F238E27FC236}">
+                <a16:creationId xmlns:a16="http://schemas.microsoft.com/office/drawing/2014/main" id="{386EC901-15FF-4FFD-90F4-74206916AE43}"/>
+              </a:ext>
+            </a:extLst>
+          </p:cNvPr>
+          <p:cNvPicPr>
+            <a:picLocks noChangeAspect="1"/>
+          </p:cNvPicPr>
+          <p:nvPr/>
+        </p:nvPicPr>
+        <p:blipFill>
+          <a:blip r:embed="rId2">
+            <a:extLst>
+              <a:ext uri="{28A0092B-C50C-407E-A947-70E740481C1C}">
+                <a14:useLocalDpi xmlns:a14="http://schemas.microsoft.com/office/drawing/2010/main" val="0"/>
+              </a:ext>
+            </a:extLst>
+          </a:blip>
+          <a:stretch>
+            <a:fillRect/>
+          </a:stretch>
+        </p:blipFill>
+        <p:spPr>
+          <a:xfrm>
+            <a:off x="115247" y="828136"/>
+            <a:ext cx="5716209" cy="3916392"/>
+          </a:xfrm>
+          <a:prstGeom prst="rect">
+            <a:avLst/>
+          </a:prstGeom>
+        </p:spPr>
+      </p:pic>
+      <p:sp>
+        <p:nvSpPr>
+          <p:cNvPr id="8" name="TextBox 7">
+            <a:extLst>
+              <a:ext uri="{FF2B5EF4-FFF2-40B4-BE49-F238E27FC236}">
+                <a16:creationId xmlns:a16="http://schemas.microsoft.com/office/drawing/2014/main" id="{D03EDE59-7287-4A77-B16E-450052FF25FE}"/>
+              </a:ext>
+            </a:extLst>
+          </p:cNvPr>
+          <p:cNvSpPr txBox="1"/>
+          <p:nvPr/>
+        </p:nvSpPr>
+        <p:spPr>
+          <a:xfrm>
+            <a:off x="6486151" y="1055777"/>
+            <a:ext cx="5406572" cy="2862322"/>
+          </a:xfrm>
+          <a:prstGeom prst="rect">
+            <a:avLst/>
+          </a:prstGeom>
+          <a:noFill/>
+        </p:spPr>
+        <p:txBody>
+          <a:bodyPr wrap="square" rtlCol="0">
+            <a:spAutoFit/>
+          </a:bodyPr>
+          <a:lstStyle/>
+          <a:p>
+            <a:r>
+              <a:rPr lang="en-US" dirty="0"/>
+              <a:t>Hungary has the most users engaged with the app, followed closely with Maldives.</a:t>
+            </a:r>
+          </a:p>
+          <a:p>
+            <a:endParaRPr lang="en-US" dirty="0"/>
+          </a:p>
+          <a:p>
+            <a:r>
+              <a:rPr lang="en-US" dirty="0"/>
+              <a:t>Followed by</a:t>
+            </a:r>
+          </a:p>
+          <a:p>
+            <a:pPr marL="742950" lvl="1" indent="-285750">
+              <a:buFont typeface="Arial" panose="020B0604020202020204" pitchFamily="34" charset="0"/>
+              <a:buChar char="•"/>
             </a:pPr>
             <a:r>
-              <a:rPr lang="en-US" sz="1800" b="1" i="1" dirty="0">
-                <a:effectLst/>
-                <a:latin typeface="Arial" panose="020B0604020202020204" pitchFamily="34" charset="0"/>
-                <a:ea typeface="Calibri" panose="020F0502020204030204" pitchFamily="34" charset="0"/>
-              </a:rPr>
-              <a:t>Ishmael</a:t>
-            </a:r>
-            <a:endParaRPr lang="en-US" sz="2800" dirty="0"/>
+              <a:rPr lang="en-US" dirty="0"/>
+              <a:t>Guatemala</a:t>
+            </a:r>
+          </a:p>
+          <a:p>
+            <a:pPr marL="742950" lvl="1" indent="-285750">
+              <a:buFont typeface="Arial" panose="020B0604020202020204" pitchFamily="34" charset="0"/>
+              <a:buChar char="•"/>
+            </a:pPr>
+            <a:r>
+              <a:rPr lang="en-US" dirty="0"/>
+              <a:t>Israel</a:t>
+            </a:r>
+          </a:p>
+          <a:p>
+            <a:pPr marL="742950" lvl="1" indent="-285750">
+              <a:buFont typeface="Arial" panose="020B0604020202020204" pitchFamily="34" charset="0"/>
+              <a:buChar char="•"/>
+            </a:pPr>
+            <a:r>
+              <a:rPr lang="en-US" dirty="0"/>
+              <a:t>El Salvador</a:t>
+            </a:r>
+          </a:p>
+          <a:p>
+            <a:pPr marL="742950" lvl="1" indent="-285750">
+              <a:buFont typeface="Arial" panose="020B0604020202020204" pitchFamily="34" charset="0"/>
+              <a:buChar char="•"/>
+            </a:pPr>
+            <a:r>
+              <a:rPr lang="en-US" dirty="0"/>
+              <a:t>Ecuador</a:t>
+            </a:r>
+          </a:p>
+          <a:p>
+            <a:pPr marL="742950" lvl="1" indent="-285750">
+              <a:buFont typeface="Arial" panose="020B0604020202020204" pitchFamily="34" charset="0"/>
+              <a:buChar char="•"/>
+            </a:pPr>
+            <a:r>
+              <a:rPr lang="en-US" dirty="0"/>
+              <a:t>United Kingdom</a:t>
+            </a:r>
+          </a:p>
+          <a:p>
+            <a:endParaRPr lang="en-US" dirty="0"/>
           </a:p>
         </p:txBody>
       </p:sp>
     </p:spTree>
     <p:extLst>
       <p:ext uri="{BB962C8B-B14F-4D97-AF65-F5344CB8AC3E}">
-        <p14:creationId xmlns:p14="http://schemas.microsoft.com/office/powerpoint/2010/main" val="3058154697"/>
+        <p14:creationId xmlns:p14="http://schemas.microsoft.com/office/powerpoint/2010/main" val="3955977735"/>
       </p:ext>
     </p:extLst>
   </p:cSld>
@@ -6792,8 +7274,8 @@
         </p:nvSpPr>
         <p:spPr>
           <a:xfrm>
-            <a:off x="504185" y="343306"/>
-            <a:ext cx="7738016" cy="373757"/>
+            <a:off x="268396" y="384980"/>
+            <a:ext cx="11816055" cy="663580"/>
           </a:xfrm>
           <a:prstGeom prst="rect">
             <a:avLst/>
@@ -6822,39 +7304,183 @@
                 <a:effectLst/>
                 <a:latin typeface="Arial" panose="020B0604020202020204" pitchFamily="34" charset="0"/>
                 <a:ea typeface="Calibri" panose="020F0502020204030204" pitchFamily="34" charset="0"/>
-                <a:cs typeface="Times New Roman" panose="02020603050405020304" pitchFamily="18" charset="0"/>
               </a:rPr>
-              <a:t>Who are the most popular artists by </a:t>
-            </a:r>
-            <a:r>
-              <a:rPr lang="en-US" b="1" i="1" dirty="0">
-                <a:latin typeface="Arial" panose="020B0604020202020204" pitchFamily="34" charset="0"/>
-                <a:cs typeface="Times New Roman" panose="02020603050405020304" pitchFamily="18" charset="0"/>
-              </a:rPr>
-              <a:t>listeners per </a:t>
-            </a:r>
+              <a:t>Who are the top artists by listener count in the country with the highest overall listener count (Hungary)?  </a:t>
+            </a:r>
+          </a:p>
+          <a:p>
+            <a:pPr marR="0" lvl="0">
+              <a:lnSpc>
+                <a:spcPct val="107000"/>
+              </a:lnSpc>
+              <a:spcBef>
+                <a:spcPts val="0"/>
+              </a:spcBef>
+              <a:spcAft>
+                <a:spcPts val="0"/>
+              </a:spcAft>
+            </a:pPr>
             <a:r>
               <a:rPr lang="en-US" sz="1800" b="1" i="1" dirty="0">
                 <a:effectLst/>
                 <a:latin typeface="Arial" panose="020B0604020202020204" pitchFamily="34" charset="0"/>
                 <a:ea typeface="Calibri" panose="020F0502020204030204" pitchFamily="34" charset="0"/>
-                <a:cs typeface="Times New Roman" panose="02020603050405020304" pitchFamily="18" charset="0"/>
               </a:rPr>
-              <a:t>country?  Christian</a:t>
-            </a:r>
-            <a:endParaRPr lang="en-US" sz="1800" dirty="0">
-              <a:effectLst/>
-              <a:latin typeface="Calibri" panose="020F0502020204030204" pitchFamily="34" charset="0"/>
-              <a:ea typeface="Calibri" panose="020F0502020204030204" pitchFamily="34" charset="0"/>
-              <a:cs typeface="Times New Roman" panose="02020603050405020304" pitchFamily="18" charset="0"/>
-            </a:endParaRPr>
-          </a:p>
-        </p:txBody>
-      </p:sp>
+              <a:t>Amber</a:t>
+            </a:r>
+          </a:p>
+        </p:txBody>
+      </p:sp>
+      <p:sp>
+        <p:nvSpPr>
+          <p:cNvPr id="2" name="TextBox 1">
+            <a:extLst>
+              <a:ext uri="{FF2B5EF4-FFF2-40B4-BE49-F238E27FC236}">
+                <a16:creationId xmlns:a16="http://schemas.microsoft.com/office/drawing/2014/main" id="{34D29DBE-D89A-4BCC-8302-B309BEE2F1E3}"/>
+              </a:ext>
+            </a:extLst>
+          </p:cNvPr>
+          <p:cNvSpPr txBox="1"/>
+          <p:nvPr/>
+        </p:nvSpPr>
+        <p:spPr>
+          <a:xfrm>
+            <a:off x="6602083" y="1144438"/>
+            <a:ext cx="4900829" cy="3416320"/>
+          </a:xfrm>
+          <a:prstGeom prst="rect">
+            <a:avLst/>
+          </a:prstGeom>
+          <a:noFill/>
+        </p:spPr>
+        <p:txBody>
+          <a:bodyPr wrap="none" rtlCol="0">
+            <a:spAutoFit/>
+          </a:bodyPr>
+          <a:lstStyle/>
+          <a:p>
+            <a:r>
+              <a:rPr lang="en-US" dirty="0"/>
+              <a:t>The top artists listened to in Hungary, which has </a:t>
+            </a:r>
+          </a:p>
+          <a:p>
+            <a:r>
+              <a:rPr lang="en-US" dirty="0"/>
+              <a:t>the highest listener (or user) count, are: </a:t>
+            </a:r>
+          </a:p>
+          <a:p>
+            <a:endParaRPr lang="en-US" dirty="0"/>
+          </a:p>
+          <a:p>
+            <a:endParaRPr lang="en-US" dirty="0"/>
+          </a:p>
+          <a:p>
+            <a:endParaRPr lang="en-US" dirty="0"/>
+          </a:p>
+          <a:p>
+            <a:endParaRPr lang="en-US" dirty="0"/>
+          </a:p>
+          <a:p>
+            <a:endParaRPr lang="en-US" dirty="0"/>
+          </a:p>
+          <a:p>
+            <a:r>
+              <a:rPr lang="en-US" dirty="0"/>
+              <a:t>This sets a standard for other countries.</a:t>
+            </a:r>
+          </a:p>
+          <a:p>
+            <a:endParaRPr lang="en-US" dirty="0"/>
+          </a:p>
+          <a:p>
+            <a:endParaRPr lang="en-US" dirty="0"/>
+          </a:p>
+          <a:p>
+            <a:endParaRPr lang="en-US" dirty="0"/>
+          </a:p>
+          <a:p>
+            <a:endParaRPr lang="en-US" dirty="0"/>
+          </a:p>
+        </p:txBody>
+      </p:sp>
+      <p:pic>
+        <p:nvPicPr>
+          <p:cNvPr id="5" name="Picture 4" descr="Shape&#10;&#10;Description automatically generated with medium confidence">
+            <a:extLst>
+              <a:ext uri="{FF2B5EF4-FFF2-40B4-BE49-F238E27FC236}">
+                <a16:creationId xmlns:a16="http://schemas.microsoft.com/office/drawing/2014/main" id="{6230EACD-72E4-44B1-B8D3-66948A7BC70C}"/>
+              </a:ext>
+            </a:extLst>
+          </p:cNvPr>
+          <p:cNvPicPr>
+            <a:picLocks noChangeAspect="1"/>
+          </p:cNvPicPr>
+          <p:nvPr/>
+        </p:nvPicPr>
+        <p:blipFill>
+          <a:blip r:embed="rId2">
+            <a:extLst>
+              <a:ext uri="{28A0092B-C50C-407E-A947-70E740481C1C}">
+                <a14:useLocalDpi xmlns:a14="http://schemas.microsoft.com/office/drawing/2010/main" val="0"/>
+              </a:ext>
+            </a:extLst>
+          </a:blip>
+          <a:stretch>
+            <a:fillRect/>
+          </a:stretch>
+        </p:blipFill>
+        <p:spPr>
+          <a:xfrm>
+            <a:off x="0" y="381000"/>
+            <a:ext cx="12192000" cy="6096000"/>
+          </a:xfrm>
+          <a:prstGeom prst="rect">
+            <a:avLst/>
+          </a:prstGeom>
+        </p:spPr>
+      </p:pic>
+      <p:pic>
+        <p:nvPicPr>
+          <p:cNvPr id="8" name="Picture 7" descr="Shape&#10;&#10;Description automatically generated with medium confidence">
+            <a:extLst>
+              <a:ext uri="{FF2B5EF4-FFF2-40B4-BE49-F238E27FC236}">
+                <a16:creationId xmlns:a16="http://schemas.microsoft.com/office/drawing/2014/main" id="{852FDE3D-C5EB-4EC6-9AFB-797E424AA1ED}"/>
+              </a:ext>
+            </a:extLst>
+          </p:cNvPr>
+          <p:cNvPicPr>
+            <a:picLocks noChangeAspect="1"/>
+          </p:cNvPicPr>
+          <p:nvPr/>
+        </p:nvPicPr>
+        <p:blipFill>
+          <a:blip r:embed="rId2">
+            <a:extLst>
+              <a:ext uri="{28A0092B-C50C-407E-A947-70E740481C1C}">
+                <a14:useLocalDpi xmlns:a14="http://schemas.microsoft.com/office/drawing/2010/main" val="0"/>
+              </a:ext>
+            </a:extLst>
+          </a:blip>
+          <a:stretch>
+            <a:fillRect/>
+          </a:stretch>
+        </p:blipFill>
+        <p:spPr>
+          <a:xfrm>
+            <a:off x="0" y="381000"/>
+            <a:ext cx="12192000" cy="6096000"/>
+          </a:xfrm>
+          <a:prstGeom prst="rect">
+            <a:avLst/>
+          </a:prstGeom>
+        </p:spPr>
+      </p:pic>
     </p:spTree>
     <p:extLst>
       <p:ext uri="{BB962C8B-B14F-4D97-AF65-F5344CB8AC3E}">
-        <p14:creationId xmlns:p14="http://schemas.microsoft.com/office/powerpoint/2010/main" val="3010257697"/>
+        <p14:creationId xmlns:p14="http://schemas.microsoft.com/office/powerpoint/2010/main" val="3058154697"/>
       </p:ext>
     </p:extLst>
   </p:cSld>
@@ -6865,7 +7491,7 @@
 </file>
 
 <file path=ppt/slides/slide8.xml><?xml version="1.0" encoding="utf-8"?>
-<p:sld xmlns:a="http://schemas.openxmlformats.org/drawingml/2006/main" xmlns:r="http://schemas.openxmlformats.org/officeDocument/2006/relationships" xmlns:p="http://schemas.openxmlformats.org/presentationml/2006/main">
+<p:sld xmlns:a="http://schemas.openxmlformats.org/drawingml/2006/main" xmlns:r="http://schemas.openxmlformats.org/officeDocument/2006/relationships" xmlns:p="http://schemas.openxmlformats.org/presentationml/2006/main" show="0">
   <p:cSld>
     <p:bg>
       <p:bgPr>
@@ -7062,7 +7688,7 @@
         <p:spPr>
           <a:xfrm>
             <a:off x="504185" y="343306"/>
-            <a:ext cx="6203365" cy="373757"/>
+            <a:ext cx="7738016" cy="373757"/>
           </a:xfrm>
           <a:prstGeom prst="rect">
             <a:avLst/>
@@ -7091,8 +7717,25 @@
                 <a:effectLst/>
                 <a:latin typeface="Arial" panose="020B0604020202020204" pitchFamily="34" charset="0"/>
                 <a:ea typeface="Calibri" panose="020F0502020204030204" pitchFamily="34" charset="0"/>
+                <a:cs typeface="Times New Roman" panose="02020603050405020304" pitchFamily="18" charset="0"/>
               </a:rPr>
-              <a:t>Which 5 artists are played most often globally? Amber </a:t>
+              <a:t>Who are the most popular artists by </a:t>
+            </a:r>
+            <a:r>
+              <a:rPr lang="en-US" b="1" i="1" dirty="0">
+                <a:latin typeface="Arial" panose="020B0604020202020204" pitchFamily="34" charset="0"/>
+                <a:cs typeface="Times New Roman" panose="02020603050405020304" pitchFamily="18" charset="0"/>
+              </a:rPr>
+              <a:t>listeners per </a:t>
+            </a:r>
+            <a:r>
+              <a:rPr lang="en-US" sz="1800" b="1" i="1" dirty="0">
+                <a:effectLst/>
+                <a:latin typeface="Arial" panose="020B0604020202020204" pitchFamily="34" charset="0"/>
+                <a:ea typeface="Calibri" panose="020F0502020204030204" pitchFamily="34" charset="0"/>
+                <a:cs typeface="Times New Roman" panose="02020603050405020304" pitchFamily="18" charset="0"/>
+              </a:rPr>
+              <a:t>country?  Christian</a:t>
             </a:r>
             <a:endParaRPr lang="en-US" sz="1800" dirty="0">
               <a:effectLst/>
@@ -7103,10 +7746,66 @@
           </a:p>
         </p:txBody>
       </p:sp>
+      <p:sp>
+        <p:nvSpPr>
+          <p:cNvPr id="2" name="TextBox 1">
+            <a:extLst>
+              <a:ext uri="{FF2B5EF4-FFF2-40B4-BE49-F238E27FC236}">
+                <a16:creationId xmlns:a16="http://schemas.microsoft.com/office/drawing/2014/main" id="{95D2CFAF-5760-4B7F-B627-4093483C1396}"/>
+              </a:ext>
+            </a:extLst>
+          </p:cNvPr>
+          <p:cNvSpPr txBox="1"/>
+          <p:nvPr/>
+        </p:nvSpPr>
+        <p:spPr>
+          <a:xfrm>
+            <a:off x="6602083" y="989162"/>
+            <a:ext cx="5112589" cy="2862322"/>
+          </a:xfrm>
+          <a:prstGeom prst="rect">
+            <a:avLst/>
+          </a:prstGeom>
+          <a:noFill/>
+        </p:spPr>
+        <p:txBody>
+          <a:bodyPr wrap="square" rtlCol="0">
+            <a:spAutoFit/>
+          </a:bodyPr>
+          <a:lstStyle/>
+          <a:p>
+            <a:r>
+              <a:rPr lang="en-US" dirty="0"/>
+              <a:t>Artists with the most listeners (or users) per country are: </a:t>
+            </a:r>
+          </a:p>
+          <a:p>
+            <a:endParaRPr lang="en-US" dirty="0"/>
+          </a:p>
+          <a:p>
+            <a:endParaRPr lang="en-US" dirty="0"/>
+          </a:p>
+          <a:p>
+            <a:endParaRPr lang="en-US" dirty="0"/>
+          </a:p>
+          <a:p>
+            <a:endParaRPr lang="en-US" dirty="0"/>
+          </a:p>
+          <a:p>
+            <a:endParaRPr lang="en-US" dirty="0"/>
+          </a:p>
+          <a:p>
+            <a:r>
+              <a:rPr lang="en-US" dirty="0"/>
+              <a:t>This correlates directly to the hypothesis that countries with higher or lower GDP will reflect more or less use of the app.</a:t>
+            </a:r>
+          </a:p>
+        </p:txBody>
+      </p:sp>
     </p:spTree>
     <p:extLst>
       <p:ext uri="{BB962C8B-B14F-4D97-AF65-F5344CB8AC3E}">
-        <p14:creationId xmlns:p14="http://schemas.microsoft.com/office/powerpoint/2010/main" val="1393637912"/>
+        <p14:creationId xmlns:p14="http://schemas.microsoft.com/office/powerpoint/2010/main" val="3010257697"/>
       </p:ext>
     </p:extLst>
   </p:cSld>
@@ -7314,7 +8013,7 @@
         <p:spPr>
           <a:xfrm>
             <a:off x="504185" y="343306"/>
-            <a:ext cx="9482083" cy="373757"/>
+            <a:ext cx="6340197" cy="373757"/>
           </a:xfrm>
           <a:prstGeom prst="rect">
             <a:avLst/>
@@ -7344,35 +8043,7 @@
                 <a:latin typeface="Arial" panose="020B0604020202020204" pitchFamily="34" charset="0"/>
                 <a:ea typeface="Calibri" panose="020F0502020204030204" pitchFamily="34" charset="0"/>
               </a:rPr>
-              <a:t>What are the most popular genres </a:t>
-            </a:r>
-            <a:r>
-              <a:rPr lang="en-US" b="1" i="1" dirty="0">
-                <a:latin typeface="Arial" panose="020B0604020202020204" pitchFamily="34" charset="0"/>
-              </a:rPr>
-              <a:t>by listener per </a:t>
-            </a:r>
-            <a:r>
-              <a:rPr lang="en-US" sz="1800" b="1" i="1" dirty="0">
-                <a:effectLst/>
-                <a:latin typeface="Arial" panose="020B0604020202020204" pitchFamily="34" charset="0"/>
-                <a:ea typeface="Calibri" panose="020F0502020204030204" pitchFamily="34" charset="0"/>
-              </a:rPr>
-              <a:t>country?  Stev</a:t>
-            </a:r>
-            <a:r>
-              <a:rPr lang="en-US" b="1" i="1" dirty="0">
-                <a:latin typeface="Arial" panose="020B0604020202020204" pitchFamily="34" charset="0"/>
-                <a:ea typeface="Calibri" panose="020F0502020204030204" pitchFamily="34" charset="0"/>
-              </a:rPr>
-              <a:t>e/Christian </a:t>
-            </a:r>
-            <a:r>
-              <a:rPr lang="en-US" b="1" i="1" dirty="0" err="1">
-                <a:latin typeface="Arial" panose="020B0604020202020204" pitchFamily="34" charset="0"/>
-                <a:ea typeface="Calibri" panose="020F0502020204030204" pitchFamily="34" charset="0"/>
-              </a:rPr>
-              <a:t>Geomap</a:t>
+              <a:t>Which 5 artists are played most often globally? Ishmael </a:t>
             </a:r>
             <a:endParaRPr lang="en-US" sz="1800" dirty="0">
               <a:effectLst/>
@@ -7383,10 +8054,75 @@
           </a:p>
         </p:txBody>
       </p:sp>
+      <p:sp>
+        <p:nvSpPr>
+          <p:cNvPr id="2" name="TextBox 1">
+            <a:extLst>
+              <a:ext uri="{FF2B5EF4-FFF2-40B4-BE49-F238E27FC236}">
+                <a16:creationId xmlns:a16="http://schemas.microsoft.com/office/drawing/2014/main" id="{EA4BFBB4-B445-49CA-9E8F-B1EBDA631FD4}"/>
+              </a:ext>
+            </a:extLst>
+          </p:cNvPr>
+          <p:cNvSpPr txBox="1"/>
+          <p:nvPr/>
+        </p:nvSpPr>
+        <p:spPr>
+          <a:xfrm>
+            <a:off x="6964392" y="799381"/>
+            <a:ext cx="5021439" cy="2585323"/>
+          </a:xfrm>
+          <a:prstGeom prst="rect">
+            <a:avLst/>
+          </a:prstGeom>
+          <a:noFill/>
+        </p:spPr>
+        <p:txBody>
+          <a:bodyPr wrap="none" rtlCol="0">
+            <a:spAutoFit/>
+          </a:bodyPr>
+          <a:lstStyle/>
+          <a:p>
+            <a:r>
+              <a:rPr lang="en-US" dirty="0"/>
+              <a:t>Top 5 artists that are played the most globally are</a:t>
+            </a:r>
+          </a:p>
+          <a:p>
+            <a:endParaRPr lang="en-US" dirty="0"/>
+          </a:p>
+          <a:p>
+            <a:endParaRPr lang="en-US" dirty="0"/>
+          </a:p>
+          <a:p>
+            <a:endParaRPr lang="en-US" dirty="0"/>
+          </a:p>
+          <a:p>
+            <a:endParaRPr lang="en-US" dirty="0"/>
+          </a:p>
+          <a:p>
+            <a:endParaRPr lang="en-US" dirty="0"/>
+          </a:p>
+          <a:p>
+            <a:endParaRPr lang="en-US" dirty="0"/>
+          </a:p>
+          <a:p>
+            <a:r>
+              <a:rPr lang="en-US" dirty="0"/>
+              <a:t>This demonstrates the universal popularity of any </a:t>
+            </a:r>
+          </a:p>
+          <a:p>
+            <a:r>
+              <a:rPr lang="en-US" dirty="0"/>
+              <a:t>given  artist, from which one can extract genre:</a:t>
+            </a:r>
+          </a:p>
+        </p:txBody>
+      </p:sp>
     </p:spTree>
     <p:extLst>
       <p:ext uri="{BB962C8B-B14F-4D97-AF65-F5344CB8AC3E}">
-        <p14:creationId xmlns:p14="http://schemas.microsoft.com/office/powerpoint/2010/main" val="62633276"/>
+        <p14:creationId xmlns:p14="http://schemas.microsoft.com/office/powerpoint/2010/main" val="1393637912"/>
       </p:ext>
     </p:extLst>
   </p:cSld>
